--- a/slides/backend/Slides #001.pptx
+++ b/slides/backend/Slides #001.pptx
@@ -6243,8 +6243,8 @@
           <a:chExt cx="0" cy="0"/>
         </a:xfrm>
       </p:grpSpPr>
-      <mc:AlternateContent xmlns:mc="http://schemas.openxmlformats.org/markup-compatibility/2006" xmlns:we="http://schemas.microsoft.com/office/webextensions/webextension/2010/11" xmlns:pca="http://schemas.microsoft.com/office/powerpoint/2013/contentapp">
-        <mc:Choice Requires="we pca">
+      <mc:AlternateContent xmlns:mc="http://schemas.openxmlformats.org/markup-compatibility/2006">
+        <mc:Choice xmlns:we="http://schemas.microsoft.com/office/webextensions/webextension/2010/11" xmlns:pca="http://schemas.microsoft.com/office/powerpoint/2013/contentapp" Requires="we pca">
           <p:graphicFrame>
             <p:nvGraphicFramePr>
               <p:cNvPr id="2" name="Suplemento 1">
@@ -6276,7 +6276,7 @@
             </a:graphic>
           </p:graphicFrame>
         </mc:Choice>
-        <mc:Fallback xmlns="">
+        <mc:Fallback>
           <p:pic>
             <p:nvPicPr>
               <p:cNvPr id="2" name="Suplemento 1">
@@ -6938,7 +6938,9 @@
   <we:alternateReferences>
     <we:reference id="wa200004824" version="2.0.1.0" store="wa200004824" storeType="OMEX"/>
   </we:alternateReferences>
-  <we:properties/>
+  <we:properties>
+    <we:property name="dataSlidePPT" value="{&quot;activePresentationId&quot;:6677545}"/>
+  </we:properties>
   <we:bindings/>
   <we:snapshot xmlns:r="http://schemas.openxmlformats.org/officeDocument/2006/relationships" r:embed="rId1"/>
 </we:webextension>
